--- a/Deliverables/Presentazione_SDCC.pptx
+++ b/Deliverables/Presentazione_SDCC.pptx
@@ -4,6 +4,9 @@
   <p:sldMasterIdLst>
     <p:sldMasterId id="2147483804" r:id="rId1"/>
   </p:sldMasterIdLst>
+  <p:notesMasterIdLst>
+    <p:notesMasterId r:id="rId14"/>
+  </p:notesMasterIdLst>
   <p:sldIdLst>
     <p:sldId id="256" r:id="rId2"/>
     <p:sldId id="257" r:id="rId3"/>
@@ -136,8 +139,360 @@
         </p14:section>
       </p14:sectionLst>
     </p:ext>
+    <p:ext uri="{EFAFB233-063F-42B5-8137-9DF3F51BA10A}">
+      <p15:sldGuideLst xmlns:p15="http://schemas.microsoft.com/office/powerpoint/2012/main"/>
+    </p:ext>
   </p:extLst>
 </p:presentation>
+</file>
+
+<file path=ppt/notesMasters/notesMaster1.xml><?xml version="1.0" encoding="utf-8"?>
+<p:notesMaster xmlns:a="http://schemas.openxmlformats.org/drawingml/2006/main" xmlns:r="http://schemas.openxmlformats.org/officeDocument/2006/relationships" xmlns:p="http://schemas.openxmlformats.org/presentationml/2006/main">
+  <p:cSld>
+    <p:bg>
+      <p:bgRef idx="1001">
+        <a:schemeClr val="bg1"/>
+      </p:bgRef>
+    </p:bg>
+    <p:spTree>
+      <p:nvGrpSpPr>
+        <p:cNvPr id="1" name=""/>
+        <p:cNvGrpSpPr/>
+        <p:nvPr/>
+      </p:nvGrpSpPr>
+      <p:grpSpPr>
+        <a:xfrm>
+          <a:off x="0" y="0"/>
+          <a:ext cx="0" cy="0"/>
+          <a:chOff x="0" y="0"/>
+          <a:chExt cx="0" cy="0"/>
+        </a:xfrm>
+      </p:grpSpPr>
+      <p:sp>
+        <p:nvSpPr>
+          <p:cNvPr id="2" name="Segnaposto intestazione 1"/>
+          <p:cNvSpPr>
+            <a:spLocks noGrp="1"/>
+          </p:cNvSpPr>
+          <p:nvPr>
+            <p:ph type="hdr" sz="quarter"/>
+          </p:nvPr>
+        </p:nvSpPr>
+        <p:spPr>
+          <a:xfrm>
+            <a:off x="0" y="0"/>
+            <a:ext cx="2971800" cy="458788"/>
+          </a:xfrm>
+          <a:prstGeom prst="rect">
+            <a:avLst/>
+          </a:prstGeom>
+        </p:spPr>
+        <p:txBody>
+          <a:bodyPr vert="horz" lIns="91440" tIns="45720" rIns="91440" bIns="45720" rtlCol="0"/>
+          <a:lstStyle>
+            <a:lvl1pPr algn="l">
+              <a:defRPr sz="1200"/>
+            </a:lvl1pPr>
+          </a:lstStyle>
+          <a:p>
+            <a:endParaRPr lang="it-IT"/>
+          </a:p>
+        </p:txBody>
+      </p:sp>
+      <p:sp>
+        <p:nvSpPr>
+          <p:cNvPr id="3" name="Segnaposto data 2"/>
+          <p:cNvSpPr>
+            <a:spLocks noGrp="1"/>
+          </p:cNvSpPr>
+          <p:nvPr>
+            <p:ph type="dt" idx="1"/>
+          </p:nvPr>
+        </p:nvSpPr>
+        <p:spPr>
+          <a:xfrm>
+            <a:off x="3884613" y="0"/>
+            <a:ext cx="2971800" cy="458788"/>
+          </a:xfrm>
+          <a:prstGeom prst="rect">
+            <a:avLst/>
+          </a:prstGeom>
+        </p:spPr>
+        <p:txBody>
+          <a:bodyPr vert="horz" lIns="91440" tIns="45720" rIns="91440" bIns="45720" rtlCol="0"/>
+          <a:lstStyle>
+            <a:lvl1pPr algn="r">
+              <a:defRPr sz="1200"/>
+            </a:lvl1pPr>
+          </a:lstStyle>
+          <a:p>
+            <a:fld id="{8B8FF2B0-D836-134E-AD00-56B5EC2579BB}" type="datetimeFigureOut">
+              <a:rPr lang="it-IT" smtClean="0"/>
+              <a:t>28/09/23</a:t>
+            </a:fld>
+            <a:endParaRPr lang="it-IT"/>
+          </a:p>
+        </p:txBody>
+      </p:sp>
+      <p:sp>
+        <p:nvSpPr>
+          <p:cNvPr id="4" name="Segnaposto immagine diapositiva 3"/>
+          <p:cNvSpPr>
+            <a:spLocks noGrp="1" noRot="1" noChangeAspect="1"/>
+          </p:cNvSpPr>
+          <p:nvPr>
+            <p:ph type="sldImg" idx="2"/>
+          </p:nvPr>
+        </p:nvSpPr>
+        <p:spPr>
+          <a:xfrm>
+            <a:off x="685800" y="1143000"/>
+            <a:ext cx="5486400" cy="3086100"/>
+          </a:xfrm>
+          <a:prstGeom prst="rect">
+            <a:avLst/>
+          </a:prstGeom>
+          <a:noFill/>
+          <a:ln w="12700">
+            <a:solidFill>
+              <a:prstClr val="black"/>
+            </a:solidFill>
+          </a:ln>
+        </p:spPr>
+        <p:txBody>
+          <a:bodyPr vert="horz" lIns="91440" tIns="45720" rIns="91440" bIns="45720" rtlCol="0" anchor="ctr"/>
+          <a:lstStyle/>
+          <a:p>
+            <a:endParaRPr lang="it-IT"/>
+          </a:p>
+        </p:txBody>
+      </p:sp>
+      <p:sp>
+        <p:nvSpPr>
+          <p:cNvPr id="5" name="Segnaposto note 4"/>
+          <p:cNvSpPr>
+            <a:spLocks noGrp="1"/>
+          </p:cNvSpPr>
+          <p:nvPr>
+            <p:ph type="body" sz="quarter" idx="3"/>
+          </p:nvPr>
+        </p:nvSpPr>
+        <p:spPr>
+          <a:xfrm>
+            <a:off x="685800" y="4400550"/>
+            <a:ext cx="5486400" cy="3600450"/>
+          </a:xfrm>
+          <a:prstGeom prst="rect">
+            <a:avLst/>
+          </a:prstGeom>
+        </p:spPr>
+        <p:txBody>
+          <a:bodyPr vert="horz" lIns="91440" tIns="45720" rIns="91440" bIns="45720" rtlCol="0"/>
+          <a:lstStyle/>
+          <a:p>
+            <a:pPr lvl="0"/>
+            <a:r>
+              <a:rPr lang="it-IT"/>
+              <a:t>Fare clic per modificare gli stili del testo dello schema</a:t>
+            </a:r>
+          </a:p>
+          <a:p>
+            <a:pPr lvl="1"/>
+            <a:r>
+              <a:rPr lang="it-IT"/>
+              <a:t>Secondo livello</a:t>
+            </a:r>
+          </a:p>
+          <a:p>
+            <a:pPr lvl="2"/>
+            <a:r>
+              <a:rPr lang="it-IT"/>
+              <a:t>Terzo livello</a:t>
+            </a:r>
+          </a:p>
+          <a:p>
+            <a:pPr lvl="3"/>
+            <a:r>
+              <a:rPr lang="it-IT"/>
+              <a:t>Quarto livello</a:t>
+            </a:r>
+          </a:p>
+          <a:p>
+            <a:pPr lvl="4"/>
+            <a:r>
+              <a:rPr lang="it-IT"/>
+              <a:t>Quinto livello</a:t>
+            </a:r>
+          </a:p>
+        </p:txBody>
+      </p:sp>
+      <p:sp>
+        <p:nvSpPr>
+          <p:cNvPr id="6" name="Segnaposto piè di pagina 5"/>
+          <p:cNvSpPr>
+            <a:spLocks noGrp="1"/>
+          </p:cNvSpPr>
+          <p:nvPr>
+            <p:ph type="ftr" sz="quarter" idx="4"/>
+          </p:nvPr>
+        </p:nvSpPr>
+        <p:spPr>
+          <a:xfrm>
+            <a:off x="0" y="8685213"/>
+            <a:ext cx="2971800" cy="458787"/>
+          </a:xfrm>
+          <a:prstGeom prst="rect">
+            <a:avLst/>
+          </a:prstGeom>
+        </p:spPr>
+        <p:txBody>
+          <a:bodyPr vert="horz" lIns="91440" tIns="45720" rIns="91440" bIns="45720" rtlCol="0" anchor="b"/>
+          <a:lstStyle>
+            <a:lvl1pPr algn="l">
+              <a:defRPr sz="1200"/>
+            </a:lvl1pPr>
+          </a:lstStyle>
+          <a:p>
+            <a:endParaRPr lang="it-IT"/>
+          </a:p>
+        </p:txBody>
+      </p:sp>
+      <p:sp>
+        <p:nvSpPr>
+          <p:cNvPr id="7" name="Segnaposto numero diapositiva 6"/>
+          <p:cNvSpPr>
+            <a:spLocks noGrp="1"/>
+          </p:cNvSpPr>
+          <p:nvPr>
+            <p:ph type="sldNum" sz="quarter" idx="5"/>
+          </p:nvPr>
+        </p:nvSpPr>
+        <p:spPr>
+          <a:xfrm>
+            <a:off x="3884613" y="8685213"/>
+            <a:ext cx="2971800" cy="458787"/>
+          </a:xfrm>
+          <a:prstGeom prst="rect">
+            <a:avLst/>
+          </a:prstGeom>
+        </p:spPr>
+        <p:txBody>
+          <a:bodyPr vert="horz" lIns="91440" tIns="45720" rIns="91440" bIns="45720" rtlCol="0" anchor="b"/>
+          <a:lstStyle>
+            <a:lvl1pPr algn="r">
+              <a:defRPr sz="1200"/>
+            </a:lvl1pPr>
+          </a:lstStyle>
+          <a:p>
+            <a:fld id="{7D59E9DB-AA03-794D-8D49-5F012F484FE8}" type="slidenum">
+              <a:rPr lang="it-IT" smtClean="0"/>
+              <a:t>‹N›</a:t>
+            </a:fld>
+            <a:endParaRPr lang="it-IT"/>
+          </a:p>
+        </p:txBody>
+      </p:sp>
+    </p:spTree>
+    <p:extLst>
+      <p:ext uri="{BB962C8B-B14F-4D97-AF65-F5344CB8AC3E}">
+        <p14:creationId xmlns:p14="http://schemas.microsoft.com/office/powerpoint/2010/main" val="977143211"/>
+      </p:ext>
+    </p:extLst>
+  </p:cSld>
+  <p:clrMap bg1="lt1" tx1="dk1" bg2="lt2" tx2="dk2" accent1="accent1" accent2="accent2" accent3="accent3" accent4="accent4" accent5="accent5" accent6="accent6" hlink="hlink" folHlink="folHlink"/>
+  <p:notesStyle>
+    <a:lvl1pPr marL="0" algn="l" defTabSz="914400" rtl="0" eaLnBrk="1" latinLnBrk="0" hangingPunct="1">
+      <a:defRPr sz="1200" kern="1200">
+        <a:solidFill>
+          <a:schemeClr val="tx1"/>
+        </a:solidFill>
+        <a:latin typeface="+mn-lt"/>
+        <a:ea typeface="+mn-ea"/>
+        <a:cs typeface="+mn-cs"/>
+      </a:defRPr>
+    </a:lvl1pPr>
+    <a:lvl2pPr marL="457200" algn="l" defTabSz="914400" rtl="0" eaLnBrk="1" latinLnBrk="0" hangingPunct="1">
+      <a:defRPr sz="1200" kern="1200">
+        <a:solidFill>
+          <a:schemeClr val="tx1"/>
+        </a:solidFill>
+        <a:latin typeface="+mn-lt"/>
+        <a:ea typeface="+mn-ea"/>
+        <a:cs typeface="+mn-cs"/>
+      </a:defRPr>
+    </a:lvl2pPr>
+    <a:lvl3pPr marL="914400" algn="l" defTabSz="914400" rtl="0" eaLnBrk="1" latinLnBrk="0" hangingPunct="1">
+      <a:defRPr sz="1200" kern="1200">
+        <a:solidFill>
+          <a:schemeClr val="tx1"/>
+        </a:solidFill>
+        <a:latin typeface="+mn-lt"/>
+        <a:ea typeface="+mn-ea"/>
+        <a:cs typeface="+mn-cs"/>
+      </a:defRPr>
+    </a:lvl3pPr>
+    <a:lvl4pPr marL="1371600" algn="l" defTabSz="914400" rtl="0" eaLnBrk="1" latinLnBrk="0" hangingPunct="1">
+      <a:defRPr sz="1200" kern="1200">
+        <a:solidFill>
+          <a:schemeClr val="tx1"/>
+        </a:solidFill>
+        <a:latin typeface="+mn-lt"/>
+        <a:ea typeface="+mn-ea"/>
+        <a:cs typeface="+mn-cs"/>
+      </a:defRPr>
+    </a:lvl4pPr>
+    <a:lvl5pPr marL="1828800" algn="l" defTabSz="914400" rtl="0" eaLnBrk="1" latinLnBrk="0" hangingPunct="1">
+      <a:defRPr sz="1200" kern="1200">
+        <a:solidFill>
+          <a:schemeClr val="tx1"/>
+        </a:solidFill>
+        <a:latin typeface="+mn-lt"/>
+        <a:ea typeface="+mn-ea"/>
+        <a:cs typeface="+mn-cs"/>
+      </a:defRPr>
+    </a:lvl5pPr>
+    <a:lvl6pPr marL="2286000" algn="l" defTabSz="914400" rtl="0" eaLnBrk="1" latinLnBrk="0" hangingPunct="1">
+      <a:defRPr sz="1200" kern="1200">
+        <a:solidFill>
+          <a:schemeClr val="tx1"/>
+        </a:solidFill>
+        <a:latin typeface="+mn-lt"/>
+        <a:ea typeface="+mn-ea"/>
+        <a:cs typeface="+mn-cs"/>
+      </a:defRPr>
+    </a:lvl6pPr>
+    <a:lvl7pPr marL="2743200" algn="l" defTabSz="914400" rtl="0" eaLnBrk="1" latinLnBrk="0" hangingPunct="1">
+      <a:defRPr sz="1200" kern="1200">
+        <a:solidFill>
+          <a:schemeClr val="tx1"/>
+        </a:solidFill>
+        <a:latin typeface="+mn-lt"/>
+        <a:ea typeface="+mn-ea"/>
+        <a:cs typeface="+mn-cs"/>
+      </a:defRPr>
+    </a:lvl7pPr>
+    <a:lvl8pPr marL="3200400" algn="l" defTabSz="914400" rtl="0" eaLnBrk="1" latinLnBrk="0" hangingPunct="1">
+      <a:defRPr sz="1200" kern="1200">
+        <a:solidFill>
+          <a:schemeClr val="tx1"/>
+        </a:solidFill>
+        <a:latin typeface="+mn-lt"/>
+        <a:ea typeface="+mn-ea"/>
+        <a:cs typeface="+mn-cs"/>
+      </a:defRPr>
+    </a:lvl8pPr>
+    <a:lvl9pPr marL="3657600" algn="l" defTabSz="914400" rtl="0" eaLnBrk="1" latinLnBrk="0" hangingPunct="1">
+      <a:defRPr sz="1200" kern="1200">
+        <a:solidFill>
+          <a:schemeClr val="tx1"/>
+        </a:solidFill>
+        <a:latin typeface="+mn-lt"/>
+        <a:ea typeface="+mn-ea"/>
+        <a:cs typeface="+mn-cs"/>
+      </a:defRPr>
+    </a:lvl9pPr>
+  </p:notesStyle>
+</p:notesMaster>
 </file>
 
 <file path=ppt/slideLayouts/slideLayout1.xml><?xml version="1.0" encoding="utf-8"?>
@@ -285,9 +640,9 @@
           <a:bodyPr/>
           <a:lstStyle/>
           <a:p>
-            <a:fld id="{AE9AE1CF-41CD-C74F-8288-0E7B679A71CE}" type="datetimeFigureOut">
+            <a:fld id="{B13169FE-899C-D34A-A7C6-13B3DE6D4D81}" type="datetime1">
               <a:rPr lang="it-IT" smtClean="0"/>
-              <a:t>19/09/23</a:t>
+              <a:t>28/09/23</a:t>
             </a:fld>
             <a:endParaRPr lang="it-IT"/>
           </a:p>
@@ -483,9 +838,9 @@
           <a:bodyPr/>
           <a:lstStyle/>
           <a:p>
-            <a:fld id="{AE9AE1CF-41CD-C74F-8288-0E7B679A71CE}" type="datetimeFigureOut">
+            <a:fld id="{13A7012A-C732-C040-A484-64B06F99365A}" type="datetime1">
               <a:rPr lang="it-IT" smtClean="0"/>
-              <a:t>19/09/23</a:t>
+              <a:t>28/09/23</a:t>
             </a:fld>
             <a:endParaRPr lang="it-IT"/>
           </a:p>
@@ -691,9 +1046,9 @@
           <a:bodyPr/>
           <a:lstStyle/>
           <a:p>
-            <a:fld id="{AE9AE1CF-41CD-C74F-8288-0E7B679A71CE}" type="datetimeFigureOut">
+            <a:fld id="{35222B4C-B868-CA49-91C7-B37CE3301D80}" type="datetime1">
               <a:rPr lang="it-IT" smtClean="0"/>
-              <a:t>19/09/23</a:t>
+              <a:t>28/09/23</a:t>
             </a:fld>
             <a:endParaRPr lang="it-IT"/>
           </a:p>
@@ -889,9 +1244,9 @@
           <a:bodyPr/>
           <a:lstStyle/>
           <a:p>
-            <a:fld id="{AE9AE1CF-41CD-C74F-8288-0E7B679A71CE}" type="datetimeFigureOut">
+            <a:fld id="{0CABD51C-0712-4342-B9EA-D826610F1F98}" type="datetime1">
               <a:rPr lang="it-IT" smtClean="0"/>
-              <a:t>19/09/23</a:t>
+              <a:t>28/09/23</a:t>
             </a:fld>
             <a:endParaRPr lang="it-IT"/>
           </a:p>
@@ -1164,9 +1519,9 @@
           <a:bodyPr/>
           <a:lstStyle/>
           <a:p>
-            <a:fld id="{AE9AE1CF-41CD-C74F-8288-0E7B679A71CE}" type="datetimeFigureOut">
+            <a:fld id="{1EF48726-C095-C041-A5BF-D9F5CD474078}" type="datetime1">
               <a:rPr lang="it-IT" smtClean="0"/>
-              <a:t>19/09/23</a:t>
+              <a:t>28/09/23</a:t>
             </a:fld>
             <a:endParaRPr lang="it-IT"/>
           </a:p>
@@ -1429,9 +1784,9 @@
           <a:bodyPr/>
           <a:lstStyle/>
           <a:p>
-            <a:fld id="{AE9AE1CF-41CD-C74F-8288-0E7B679A71CE}" type="datetimeFigureOut">
+            <a:fld id="{DEE4FF0F-0090-A947-B124-1D477A1B79B3}" type="datetime1">
               <a:rPr lang="it-IT" smtClean="0"/>
-              <a:t>19/09/23</a:t>
+              <a:t>28/09/23</a:t>
             </a:fld>
             <a:endParaRPr lang="it-IT"/>
           </a:p>
@@ -1841,9 +2196,9 @@
           <a:bodyPr/>
           <a:lstStyle/>
           <a:p>
-            <a:fld id="{AE9AE1CF-41CD-C74F-8288-0E7B679A71CE}" type="datetimeFigureOut">
+            <a:fld id="{5297E4C6-1901-8243-BD05-698873DFBACA}" type="datetime1">
               <a:rPr lang="it-IT" smtClean="0"/>
-              <a:t>19/09/23</a:t>
+              <a:t>28/09/23</a:t>
             </a:fld>
             <a:endParaRPr lang="it-IT"/>
           </a:p>
@@ -1982,9 +2337,9 @@
           <a:bodyPr/>
           <a:lstStyle/>
           <a:p>
-            <a:fld id="{AE9AE1CF-41CD-C74F-8288-0E7B679A71CE}" type="datetimeFigureOut">
+            <a:fld id="{C3EE3EF7-ECCB-A645-9C3A-B1F50D812159}" type="datetime1">
               <a:rPr lang="it-IT" smtClean="0"/>
-              <a:t>19/09/23</a:t>
+              <a:t>28/09/23</a:t>
             </a:fld>
             <a:endParaRPr lang="it-IT"/>
           </a:p>
@@ -2095,9 +2450,9 @@
           <a:bodyPr/>
           <a:lstStyle/>
           <a:p>
-            <a:fld id="{AE9AE1CF-41CD-C74F-8288-0E7B679A71CE}" type="datetimeFigureOut">
+            <a:fld id="{7CC85763-B6A8-C548-A2BC-440206189539}" type="datetime1">
               <a:rPr lang="it-IT" smtClean="0"/>
-              <a:t>19/09/23</a:t>
+              <a:t>28/09/23</a:t>
             </a:fld>
             <a:endParaRPr lang="it-IT"/>
           </a:p>
@@ -2406,9 +2761,9 @@
           <a:bodyPr/>
           <a:lstStyle/>
           <a:p>
-            <a:fld id="{AE9AE1CF-41CD-C74F-8288-0E7B679A71CE}" type="datetimeFigureOut">
+            <a:fld id="{2A7536AA-C3E2-1441-A1BD-A2B29B6A6821}" type="datetime1">
               <a:rPr lang="it-IT" smtClean="0"/>
-              <a:t>19/09/23</a:t>
+              <a:t>28/09/23</a:t>
             </a:fld>
             <a:endParaRPr lang="it-IT"/>
           </a:p>
@@ -2694,9 +3049,9 @@
           <a:bodyPr/>
           <a:lstStyle/>
           <a:p>
-            <a:fld id="{AE9AE1CF-41CD-C74F-8288-0E7B679A71CE}" type="datetimeFigureOut">
+            <a:fld id="{ACA3901C-366E-7E46-9A9E-B60C6CCAE144}" type="datetime1">
               <a:rPr lang="it-IT" smtClean="0"/>
-              <a:t>19/09/23</a:t>
+              <a:t>28/09/23</a:t>
             </a:fld>
             <a:endParaRPr lang="it-IT"/>
           </a:p>
@@ -2935,9 +3290,9 @@
             </a:lvl1pPr>
           </a:lstStyle>
           <a:p>
-            <a:fld id="{AE9AE1CF-41CD-C74F-8288-0E7B679A71CE}" type="datetimeFigureOut">
+            <a:fld id="{38A066A4-A4B6-6E44-BB63-AA3C06224864}" type="datetime1">
               <a:rPr lang="it-IT" smtClean="0"/>
-              <a:t>19/09/23</a:t>
+              <a:t>28/09/23</a:t>
             </a:fld>
             <a:endParaRPr lang="it-IT"/>
           </a:p>
@@ -3054,6 +3409,7 @@
     <p:sldLayoutId id="2147483814" r:id="rId10"/>
     <p:sldLayoutId id="2147483815" r:id="rId11"/>
   </p:sldLayoutIdLst>
+  <p:hf hdr="0" ftr="0" dt="0"/>
   <p:txStyles>
     <p:titleStyle>
       <a:lvl1pPr algn="l" defTabSz="914400" rtl="0" eaLnBrk="1" latinLnBrk="0" hangingPunct="1">
@@ -3580,6 +3936,35 @@
           </a:fontRef>
         </p:style>
       </p:cxnSp>
+      <p:sp>
+        <p:nvSpPr>
+          <p:cNvPr id="3" name="Segnaposto numero diapositiva 2">
+            <a:extLst>
+              <a:ext uri="{FF2B5EF4-FFF2-40B4-BE49-F238E27FC236}">
+                <a16:creationId xmlns:a16="http://schemas.microsoft.com/office/drawing/2014/main" id="{CADBBA78-B474-4C38-2D1E-6579F853B5B0}"/>
+              </a:ext>
+            </a:extLst>
+          </p:cNvPr>
+          <p:cNvSpPr>
+            <a:spLocks noGrp="1"/>
+          </p:cNvSpPr>
+          <p:nvPr>
+            <p:ph type="sldNum" sz="quarter" idx="12"/>
+          </p:nvPr>
+        </p:nvSpPr>
+        <p:spPr/>
+        <p:txBody>
+          <a:bodyPr/>
+          <a:lstStyle/>
+          <a:p>
+            <a:fld id="{921671A7-A8D5-DF41-AF7A-C2E276B782F0}" type="slidenum">
+              <a:rPr lang="it-IT" smtClean="0"/>
+              <a:t>1</a:t>
+            </a:fld>
+            <a:endParaRPr lang="it-IT"/>
+          </a:p>
+        </p:txBody>
+      </p:sp>
     </p:spTree>
     <p:extLst>
       <p:ext uri="{BB962C8B-B14F-4D97-AF65-F5344CB8AC3E}">
@@ -3871,6 +4256,35 @@
           </a:prstGeom>
         </p:spPr>
       </p:pic>
+      <p:sp>
+        <p:nvSpPr>
+          <p:cNvPr id="2" name="Segnaposto numero diapositiva 1">
+            <a:extLst>
+              <a:ext uri="{FF2B5EF4-FFF2-40B4-BE49-F238E27FC236}">
+                <a16:creationId xmlns:a16="http://schemas.microsoft.com/office/drawing/2014/main" id="{5A11558F-9CD1-0B35-F824-ACCCB69ED7BA}"/>
+              </a:ext>
+            </a:extLst>
+          </p:cNvPr>
+          <p:cNvSpPr>
+            <a:spLocks noGrp="1"/>
+          </p:cNvSpPr>
+          <p:nvPr>
+            <p:ph type="sldNum" sz="quarter" idx="12"/>
+          </p:nvPr>
+        </p:nvSpPr>
+        <p:spPr/>
+        <p:txBody>
+          <a:bodyPr/>
+          <a:lstStyle/>
+          <a:p>
+            <a:fld id="{921671A7-A8D5-DF41-AF7A-C2E276B782F0}" type="slidenum">
+              <a:rPr lang="it-IT" smtClean="0"/>
+              <a:t>10</a:t>
+            </a:fld>
+            <a:endParaRPr lang="it-IT"/>
+          </a:p>
+        </p:txBody>
+      </p:sp>
     </p:spTree>
     <p:extLst>
       <p:ext uri="{BB962C8B-B14F-4D97-AF65-F5344CB8AC3E}">
@@ -4347,6 +4761,35 @@
             <a:endParaRPr lang="it-IT" sz="2500" dirty="0">
               <a:latin typeface="PT Sans" panose="020B0503020203020204" pitchFamily="34" charset="77"/>
             </a:endParaRPr>
+          </a:p>
+        </p:txBody>
+      </p:sp>
+      <p:sp>
+        <p:nvSpPr>
+          <p:cNvPr id="2" name="Segnaposto numero diapositiva 1">
+            <a:extLst>
+              <a:ext uri="{FF2B5EF4-FFF2-40B4-BE49-F238E27FC236}">
+                <a16:creationId xmlns:a16="http://schemas.microsoft.com/office/drawing/2014/main" id="{63536DA6-F36F-1913-D7B6-FE29E0A243B2}"/>
+              </a:ext>
+            </a:extLst>
+          </p:cNvPr>
+          <p:cNvSpPr>
+            <a:spLocks noGrp="1"/>
+          </p:cNvSpPr>
+          <p:nvPr>
+            <p:ph type="sldNum" sz="quarter" idx="12"/>
+          </p:nvPr>
+        </p:nvSpPr>
+        <p:spPr/>
+        <p:txBody>
+          <a:bodyPr/>
+          <a:lstStyle/>
+          <a:p>
+            <a:fld id="{921671A7-A8D5-DF41-AF7A-C2E276B782F0}" type="slidenum">
+              <a:rPr lang="it-IT" smtClean="0"/>
+              <a:t>11</a:t>
+            </a:fld>
+            <a:endParaRPr lang="it-IT"/>
           </a:p>
         </p:txBody>
       </p:sp>
@@ -4565,6 +5008,35 @@
           </a:fontRef>
         </p:style>
       </p:cxnSp>
+      <p:sp>
+        <p:nvSpPr>
+          <p:cNvPr id="3" name="Segnaposto numero diapositiva 2">
+            <a:extLst>
+              <a:ext uri="{FF2B5EF4-FFF2-40B4-BE49-F238E27FC236}">
+                <a16:creationId xmlns:a16="http://schemas.microsoft.com/office/drawing/2014/main" id="{BDD33E5F-A717-9676-6DA0-FA81788F7AD2}"/>
+              </a:ext>
+            </a:extLst>
+          </p:cNvPr>
+          <p:cNvSpPr>
+            <a:spLocks noGrp="1"/>
+          </p:cNvSpPr>
+          <p:nvPr>
+            <p:ph type="sldNum" sz="quarter" idx="12"/>
+          </p:nvPr>
+        </p:nvSpPr>
+        <p:spPr/>
+        <p:txBody>
+          <a:bodyPr/>
+          <a:lstStyle/>
+          <a:p>
+            <a:fld id="{921671A7-A8D5-DF41-AF7A-C2E276B782F0}" type="slidenum">
+              <a:rPr lang="it-IT" smtClean="0"/>
+              <a:t>12</a:t>
+            </a:fld>
+            <a:endParaRPr lang="it-IT"/>
+          </a:p>
+        </p:txBody>
+      </p:sp>
     </p:spTree>
     <p:extLst>
       <p:ext uri="{BB962C8B-B14F-4D97-AF65-F5344CB8AC3E}">
@@ -4823,23 +5295,19 @@
               <a:buChar char="q"/>
             </a:pPr>
             <a:r>
+              <a:rPr lang="it-IT" sz="2500">
+                <a:latin typeface="PT Sans" panose="020B0503020203020204" pitchFamily="34" charset="77"/>
+                <a:cs typeface="Arial" panose="020B0604020202020204" pitchFamily="34" charset="0"/>
+              </a:rPr>
+              <a:t> Utilizzare AWS </a:t>
+            </a:r>
+            <a:r>
               <a:rPr lang="it-IT" sz="2500" dirty="0">
                 <a:latin typeface="PT Sans" panose="020B0503020203020204" pitchFamily="34" charset="77"/>
                 <a:cs typeface="Arial" panose="020B0604020202020204" pitchFamily="34" charset="0"/>
               </a:rPr>
-              <a:t> Viene inoltre utilizzato AWS Lambda per effettuare l’</a:t>
-            </a:r>
-            <a:r>
-              <a:rPr lang="it-IT" sz="2500" dirty="0" err="1">
-                <a:latin typeface="PT Sans" panose="020B0503020203020204" pitchFamily="34" charset="77"/>
-                <a:cs typeface="Arial" panose="020B0604020202020204" pitchFamily="34" charset="0"/>
-              </a:rPr>
-              <a:t>offloading</a:t>
-            </a:r>
-            <a:endParaRPr lang="it-IT" sz="2500" dirty="0">
-              <a:latin typeface="PT Sans" panose="020B0503020203020204" pitchFamily="34" charset="77"/>
-              <a:cs typeface="Arial" panose="020B0604020202020204" pitchFamily="34" charset="0"/>
-            </a:endParaRPr>
+              <a:t>Lambda per effettuare l’offloading</a:t>
+            </a:r>
           </a:p>
         </p:txBody>
       </p:sp>
@@ -4895,6 +5363,35 @@
           </a:fontRef>
         </p:style>
       </p:cxnSp>
+      <p:sp>
+        <p:nvSpPr>
+          <p:cNvPr id="2" name="Segnaposto numero diapositiva 1">
+            <a:extLst>
+              <a:ext uri="{FF2B5EF4-FFF2-40B4-BE49-F238E27FC236}">
+                <a16:creationId xmlns:a16="http://schemas.microsoft.com/office/drawing/2014/main" id="{0ED9930A-66F6-7AA8-8582-17D3B971B0D2}"/>
+              </a:ext>
+            </a:extLst>
+          </p:cNvPr>
+          <p:cNvSpPr>
+            <a:spLocks noGrp="1"/>
+          </p:cNvSpPr>
+          <p:nvPr>
+            <p:ph type="sldNum" sz="quarter" idx="12"/>
+          </p:nvPr>
+        </p:nvSpPr>
+        <p:spPr/>
+        <p:txBody>
+          <a:bodyPr/>
+          <a:lstStyle/>
+          <a:p>
+            <a:fld id="{921671A7-A8D5-DF41-AF7A-C2E276B782F0}" type="slidenum">
+              <a:rPr lang="it-IT" smtClean="0"/>
+              <a:t>2</a:t>
+            </a:fld>
+            <a:endParaRPr lang="it-IT"/>
+          </a:p>
+        </p:txBody>
+      </p:sp>
     </p:spTree>
     <p:extLst>
       <p:ext uri="{BB962C8B-B14F-4D97-AF65-F5344CB8AC3E}">
@@ -5168,6 +5665,35 @@
           </a:p>
         </p:txBody>
       </p:sp>
+      <p:sp>
+        <p:nvSpPr>
+          <p:cNvPr id="2" name="Segnaposto numero diapositiva 1">
+            <a:extLst>
+              <a:ext uri="{FF2B5EF4-FFF2-40B4-BE49-F238E27FC236}">
+                <a16:creationId xmlns:a16="http://schemas.microsoft.com/office/drawing/2014/main" id="{7A552EFF-7927-DDA5-BF68-DB165571DD1D}"/>
+              </a:ext>
+            </a:extLst>
+          </p:cNvPr>
+          <p:cNvSpPr>
+            <a:spLocks noGrp="1"/>
+          </p:cNvSpPr>
+          <p:nvPr>
+            <p:ph type="sldNum" sz="quarter" idx="12"/>
+          </p:nvPr>
+        </p:nvSpPr>
+        <p:spPr/>
+        <p:txBody>
+          <a:bodyPr/>
+          <a:lstStyle/>
+          <a:p>
+            <a:fld id="{921671A7-A8D5-DF41-AF7A-C2E276B782F0}" type="slidenum">
+              <a:rPr lang="it-IT" smtClean="0"/>
+              <a:t>3</a:t>
+            </a:fld>
+            <a:endParaRPr lang="it-IT"/>
+          </a:p>
+        </p:txBody>
+      </p:sp>
     </p:spTree>
     <p:extLst>
       <p:ext uri="{BB962C8B-B14F-4D97-AF65-F5344CB8AC3E}">
@@ -5287,8 +5813,8 @@
           </a:p>
         </p:txBody>
       </p:sp>
-      <mc:AlternateContent xmlns:mc="http://schemas.openxmlformats.org/markup-compatibility/2006">
-        <mc:Choice xmlns:a14="http://schemas.microsoft.com/office/drawing/2010/main" Requires="a14">
+      <mc:AlternateContent xmlns:mc="http://schemas.openxmlformats.org/markup-compatibility/2006" xmlns:a14="http://schemas.microsoft.com/office/drawing/2010/main">
+        <mc:Choice Requires="a14">
           <p:sp>
             <p:nvSpPr>
               <p:cNvPr id="8" name="CasellaDiTesto 7">
@@ -5421,7 +5947,7 @@
             </p:txBody>
           </p:sp>
         </mc:Choice>
-        <mc:Fallback>
+        <mc:Fallback xmlns="">
           <p:sp>
             <p:nvSpPr>
               <p:cNvPr id="8" name="CasellaDiTesto 7">
@@ -5548,6 +6074,35 @@
           </a:prstGeom>
         </p:spPr>
       </p:pic>
+      <p:sp>
+        <p:nvSpPr>
+          <p:cNvPr id="2" name="Segnaposto numero diapositiva 1">
+            <a:extLst>
+              <a:ext uri="{FF2B5EF4-FFF2-40B4-BE49-F238E27FC236}">
+                <a16:creationId xmlns:a16="http://schemas.microsoft.com/office/drawing/2014/main" id="{7324D63B-6EF9-7F1B-0005-A12162946C95}"/>
+              </a:ext>
+            </a:extLst>
+          </p:cNvPr>
+          <p:cNvSpPr>
+            <a:spLocks noGrp="1"/>
+          </p:cNvSpPr>
+          <p:nvPr>
+            <p:ph type="sldNum" sz="quarter" idx="12"/>
+          </p:nvPr>
+        </p:nvSpPr>
+        <p:spPr/>
+        <p:txBody>
+          <a:bodyPr/>
+          <a:lstStyle/>
+          <a:p>
+            <a:fld id="{921671A7-A8D5-DF41-AF7A-C2E276B782F0}" type="slidenum">
+              <a:rPr lang="it-IT" smtClean="0"/>
+              <a:t>4</a:t>
+            </a:fld>
+            <a:endParaRPr lang="it-IT"/>
+          </a:p>
+        </p:txBody>
+      </p:sp>
     </p:spTree>
     <p:extLst>
       <p:ext uri="{BB962C8B-B14F-4D97-AF65-F5344CB8AC3E}">
@@ -5860,6 +6415,35 @@
           </a:p>
         </p:txBody>
       </p:sp>
+      <p:sp>
+        <p:nvSpPr>
+          <p:cNvPr id="2" name="Segnaposto numero diapositiva 1">
+            <a:extLst>
+              <a:ext uri="{FF2B5EF4-FFF2-40B4-BE49-F238E27FC236}">
+                <a16:creationId xmlns:a16="http://schemas.microsoft.com/office/drawing/2014/main" id="{9BC1849B-064D-EB42-0B3B-8EF1C190967E}"/>
+              </a:ext>
+            </a:extLst>
+          </p:cNvPr>
+          <p:cNvSpPr>
+            <a:spLocks noGrp="1"/>
+          </p:cNvSpPr>
+          <p:nvPr>
+            <p:ph type="sldNum" sz="quarter" idx="12"/>
+          </p:nvPr>
+        </p:nvSpPr>
+        <p:spPr/>
+        <p:txBody>
+          <a:bodyPr/>
+          <a:lstStyle/>
+          <a:p>
+            <a:fld id="{921671A7-A8D5-DF41-AF7A-C2E276B782F0}" type="slidenum">
+              <a:rPr lang="it-IT" smtClean="0"/>
+              <a:t>5</a:t>
+            </a:fld>
+            <a:endParaRPr lang="it-IT"/>
+          </a:p>
+        </p:txBody>
+      </p:sp>
     </p:spTree>
     <p:extLst>
       <p:ext uri="{BB962C8B-B14F-4D97-AF65-F5344CB8AC3E}">
@@ -6135,6 +6719,35 @@
           </a:prstGeom>
         </p:spPr>
       </p:pic>
+      <p:sp>
+        <p:nvSpPr>
+          <p:cNvPr id="2" name="Segnaposto numero diapositiva 1">
+            <a:extLst>
+              <a:ext uri="{FF2B5EF4-FFF2-40B4-BE49-F238E27FC236}">
+                <a16:creationId xmlns:a16="http://schemas.microsoft.com/office/drawing/2014/main" id="{A910DA40-7B07-039F-3960-68DC425B5594}"/>
+              </a:ext>
+            </a:extLst>
+          </p:cNvPr>
+          <p:cNvSpPr>
+            <a:spLocks noGrp="1"/>
+          </p:cNvSpPr>
+          <p:nvPr>
+            <p:ph type="sldNum" sz="quarter" idx="12"/>
+          </p:nvPr>
+        </p:nvSpPr>
+        <p:spPr/>
+        <p:txBody>
+          <a:bodyPr/>
+          <a:lstStyle/>
+          <a:p>
+            <a:fld id="{921671A7-A8D5-DF41-AF7A-C2E276B782F0}" type="slidenum">
+              <a:rPr lang="it-IT" smtClean="0"/>
+              <a:t>6</a:t>
+            </a:fld>
+            <a:endParaRPr lang="it-IT"/>
+          </a:p>
+        </p:txBody>
+      </p:sp>
     </p:spTree>
     <p:extLst>
       <p:ext uri="{BB962C8B-B14F-4D97-AF65-F5344CB8AC3E}">
@@ -6409,6 +7022,35 @@
           </a:prstGeom>
         </p:spPr>
       </p:pic>
+      <p:sp>
+        <p:nvSpPr>
+          <p:cNvPr id="2" name="Segnaposto numero diapositiva 1">
+            <a:extLst>
+              <a:ext uri="{FF2B5EF4-FFF2-40B4-BE49-F238E27FC236}">
+                <a16:creationId xmlns:a16="http://schemas.microsoft.com/office/drawing/2014/main" id="{F78A5257-E1B6-53F6-6C47-907524ACEBBA}"/>
+              </a:ext>
+            </a:extLst>
+          </p:cNvPr>
+          <p:cNvSpPr>
+            <a:spLocks noGrp="1"/>
+          </p:cNvSpPr>
+          <p:nvPr>
+            <p:ph type="sldNum" sz="quarter" idx="12"/>
+          </p:nvPr>
+        </p:nvSpPr>
+        <p:spPr/>
+        <p:txBody>
+          <a:bodyPr/>
+          <a:lstStyle/>
+          <a:p>
+            <a:fld id="{921671A7-A8D5-DF41-AF7A-C2E276B782F0}" type="slidenum">
+              <a:rPr lang="it-IT" smtClean="0"/>
+              <a:t>7</a:t>
+            </a:fld>
+            <a:endParaRPr lang="it-IT"/>
+          </a:p>
+        </p:txBody>
+      </p:sp>
     </p:spTree>
     <p:extLst>
       <p:ext uri="{BB962C8B-B14F-4D97-AF65-F5344CB8AC3E}">
@@ -6751,6 +7393,35 @@
           </a:prstGeom>
         </p:spPr>
       </p:pic>
+      <p:sp>
+        <p:nvSpPr>
+          <p:cNvPr id="2" name="Segnaposto numero diapositiva 1">
+            <a:extLst>
+              <a:ext uri="{FF2B5EF4-FFF2-40B4-BE49-F238E27FC236}">
+                <a16:creationId xmlns:a16="http://schemas.microsoft.com/office/drawing/2014/main" id="{0554A3E8-18FE-5670-B352-48FBB71F5225}"/>
+              </a:ext>
+            </a:extLst>
+          </p:cNvPr>
+          <p:cNvSpPr>
+            <a:spLocks noGrp="1"/>
+          </p:cNvSpPr>
+          <p:nvPr>
+            <p:ph type="sldNum" sz="quarter" idx="12"/>
+          </p:nvPr>
+        </p:nvSpPr>
+        <p:spPr/>
+        <p:txBody>
+          <a:bodyPr/>
+          <a:lstStyle/>
+          <a:p>
+            <a:fld id="{921671A7-A8D5-DF41-AF7A-C2E276B782F0}" type="slidenum">
+              <a:rPr lang="it-IT" smtClean="0"/>
+              <a:t>8</a:t>
+            </a:fld>
+            <a:endParaRPr lang="it-IT"/>
+          </a:p>
+        </p:txBody>
+      </p:sp>
     </p:spTree>
     <p:extLst>
       <p:ext uri="{BB962C8B-B14F-4D97-AF65-F5344CB8AC3E}">
@@ -7066,6 +7737,35 @@
           </a:fontRef>
         </p:style>
       </p:cxnSp>
+      <p:sp>
+        <p:nvSpPr>
+          <p:cNvPr id="2" name="Segnaposto numero diapositiva 1">
+            <a:extLst>
+              <a:ext uri="{FF2B5EF4-FFF2-40B4-BE49-F238E27FC236}">
+                <a16:creationId xmlns:a16="http://schemas.microsoft.com/office/drawing/2014/main" id="{0C2D2156-EAD9-67FD-879B-E1D20C0BF757}"/>
+              </a:ext>
+            </a:extLst>
+          </p:cNvPr>
+          <p:cNvSpPr>
+            <a:spLocks noGrp="1"/>
+          </p:cNvSpPr>
+          <p:nvPr>
+            <p:ph type="sldNum" sz="quarter" idx="12"/>
+          </p:nvPr>
+        </p:nvSpPr>
+        <p:spPr/>
+        <p:txBody>
+          <a:bodyPr/>
+          <a:lstStyle/>
+          <a:p>
+            <a:fld id="{921671A7-A8D5-DF41-AF7A-C2E276B782F0}" type="slidenum">
+              <a:rPr lang="it-IT" smtClean="0"/>
+              <a:t>9</a:t>
+            </a:fld>
+            <a:endParaRPr lang="it-IT"/>
+          </a:p>
+        </p:txBody>
+      </p:sp>
     </p:spTree>
     <p:extLst>
       <p:ext uri="{BB962C8B-B14F-4D97-AF65-F5344CB8AC3E}">
@@ -7080,6 +7780,301 @@
 </file>
 
 <file path=ppt/theme/theme1.xml><?xml version="1.0" encoding="utf-8"?>
+<a:theme xmlns:a="http://schemas.openxmlformats.org/drawingml/2006/main" name="Tema di Office">
+  <a:themeElements>
+    <a:clrScheme name="Office">
+      <a:dk1>
+        <a:sysClr val="windowText" lastClr="000000"/>
+      </a:dk1>
+      <a:lt1>
+        <a:sysClr val="window" lastClr="FFFFFF"/>
+      </a:lt1>
+      <a:dk2>
+        <a:srgbClr val="44546A"/>
+      </a:dk2>
+      <a:lt2>
+        <a:srgbClr val="E7E6E6"/>
+      </a:lt2>
+      <a:accent1>
+        <a:srgbClr val="4472C4"/>
+      </a:accent1>
+      <a:accent2>
+        <a:srgbClr val="ED7D31"/>
+      </a:accent2>
+      <a:accent3>
+        <a:srgbClr val="A5A5A5"/>
+      </a:accent3>
+      <a:accent4>
+        <a:srgbClr val="FFC000"/>
+      </a:accent4>
+      <a:accent5>
+        <a:srgbClr val="5B9BD5"/>
+      </a:accent5>
+      <a:accent6>
+        <a:srgbClr val="70AD47"/>
+      </a:accent6>
+      <a:hlink>
+        <a:srgbClr val="0563C1"/>
+      </a:hlink>
+      <a:folHlink>
+        <a:srgbClr val="954F72"/>
+      </a:folHlink>
+    </a:clrScheme>
+    <a:fontScheme name="Office">
+      <a:majorFont>
+        <a:latin typeface="Calibri Light" panose="020F0302020204030204"/>
+        <a:ea typeface=""/>
+        <a:cs typeface=""/>
+        <a:font script="Jpan" typeface="游ゴシック Light"/>
+        <a:font script="Hang" typeface="맑은 고딕"/>
+        <a:font script="Hans" typeface="等线 Light"/>
+        <a:font script="Hant" typeface="新細明體"/>
+        <a:font script="Arab" typeface="Times New Roman"/>
+        <a:font script="Hebr" typeface="Times New Roman"/>
+        <a:font script="Thai" typeface="Angsana New"/>
+        <a:font script="Ethi" typeface="Nyala"/>
+        <a:font script="Beng" typeface="Vrinda"/>
+        <a:font script="Gujr" typeface="Shruti"/>
+        <a:font script="Khmr" typeface="MoolBoran"/>
+        <a:font script="Knda" typeface="Tunga"/>
+        <a:font script="Guru" typeface="Raavi"/>
+        <a:font script="Cans" typeface="Euphemia"/>
+        <a:font script="Cher" typeface="Plantagenet Cherokee"/>
+        <a:font script="Yiii" typeface="Microsoft Yi Baiti"/>
+        <a:font script="Tibt" typeface="Microsoft Himalaya"/>
+        <a:font script="Thaa" typeface="MV Boli"/>
+        <a:font script="Deva" typeface="Mangal"/>
+        <a:font script="Telu" typeface="Gautami"/>
+        <a:font script="Taml" typeface="Latha"/>
+        <a:font script="Syrc" typeface="Estrangelo Edessa"/>
+        <a:font script="Orya" typeface="Kalinga"/>
+        <a:font script="Mlym" typeface="Kartika"/>
+        <a:font script="Laoo" typeface="DokChampa"/>
+        <a:font script="Sinh" typeface="Iskoola Pota"/>
+        <a:font script="Mong" typeface="Mongolian Baiti"/>
+        <a:font script="Viet" typeface="Times New Roman"/>
+        <a:font script="Uigh" typeface="Microsoft Uighur"/>
+        <a:font script="Geor" typeface="Sylfaen"/>
+        <a:font script="Armn" typeface="Arial"/>
+        <a:font script="Bugi" typeface="Leelawadee UI"/>
+        <a:font script="Bopo" typeface="Microsoft JhengHei"/>
+        <a:font script="Java" typeface="Javanese Text"/>
+        <a:font script="Lisu" typeface="Segoe UI"/>
+        <a:font script="Mymr" typeface="Myanmar Text"/>
+        <a:font script="Nkoo" typeface="Ebrima"/>
+        <a:font script="Olck" typeface="Nirmala UI"/>
+        <a:font script="Osma" typeface="Ebrima"/>
+        <a:font script="Phag" typeface="Phagspa"/>
+        <a:font script="Syrn" typeface="Estrangelo Edessa"/>
+        <a:font script="Syrj" typeface="Estrangelo Edessa"/>
+        <a:font script="Syre" typeface="Estrangelo Edessa"/>
+        <a:font script="Sora" typeface="Nirmala UI"/>
+        <a:font script="Tale" typeface="Microsoft Tai Le"/>
+        <a:font script="Talu" typeface="Microsoft New Tai Lue"/>
+        <a:font script="Tfng" typeface="Ebrima"/>
+      </a:majorFont>
+      <a:minorFont>
+        <a:latin typeface="Calibri" panose="020F0502020204030204"/>
+        <a:ea typeface=""/>
+        <a:cs typeface=""/>
+        <a:font script="Jpan" typeface="游ゴシック"/>
+        <a:font script="Hang" typeface="맑은 고딕"/>
+        <a:font script="Hans" typeface="等线"/>
+        <a:font script="Hant" typeface="新細明體"/>
+        <a:font script="Arab" typeface="Arial"/>
+        <a:font script="Hebr" typeface="Arial"/>
+        <a:font script="Thai" typeface="Cordia New"/>
+        <a:font script="Ethi" typeface="Nyala"/>
+        <a:font script="Beng" typeface="Vrinda"/>
+        <a:font script="Gujr" typeface="Shruti"/>
+        <a:font script="Khmr" typeface="DaunPenh"/>
+        <a:font script="Knda" typeface="Tunga"/>
+        <a:font script="Guru" typeface="Raavi"/>
+        <a:font script="Cans" typeface="Euphemia"/>
+        <a:font script="Cher" typeface="Plantagenet Cherokee"/>
+        <a:font script="Yiii" typeface="Microsoft Yi Baiti"/>
+        <a:font script="Tibt" typeface="Microsoft Himalaya"/>
+        <a:font script="Thaa" typeface="MV Boli"/>
+        <a:font script="Deva" typeface="Mangal"/>
+        <a:font script="Telu" typeface="Gautami"/>
+        <a:font script="Taml" typeface="Latha"/>
+        <a:font script="Syrc" typeface="Estrangelo Edessa"/>
+        <a:font script="Orya" typeface="Kalinga"/>
+        <a:font script="Mlym" typeface="Kartika"/>
+        <a:font script="Laoo" typeface="DokChampa"/>
+        <a:font script="Sinh" typeface="Iskoola Pota"/>
+        <a:font script="Mong" typeface="Mongolian Baiti"/>
+        <a:font script="Viet" typeface="Arial"/>
+        <a:font script="Uigh" typeface="Microsoft Uighur"/>
+        <a:font script="Geor" typeface="Sylfaen"/>
+        <a:font script="Armn" typeface="Arial"/>
+        <a:font script="Bugi" typeface="Leelawadee UI"/>
+        <a:font script="Bopo" typeface="Microsoft JhengHei"/>
+        <a:font script="Java" typeface="Javanese Text"/>
+        <a:font script="Lisu" typeface="Segoe UI"/>
+        <a:font script="Mymr" typeface="Myanmar Text"/>
+        <a:font script="Nkoo" typeface="Ebrima"/>
+        <a:font script="Olck" typeface="Nirmala UI"/>
+        <a:font script="Osma" typeface="Ebrima"/>
+        <a:font script="Phag" typeface="Phagspa"/>
+        <a:font script="Syrn" typeface="Estrangelo Edessa"/>
+        <a:font script="Syrj" typeface="Estrangelo Edessa"/>
+        <a:font script="Syre" typeface="Estrangelo Edessa"/>
+        <a:font script="Sora" typeface="Nirmala UI"/>
+        <a:font script="Tale" typeface="Microsoft Tai Le"/>
+        <a:font script="Talu" typeface="Microsoft New Tai Lue"/>
+        <a:font script="Tfng" typeface="Ebrima"/>
+      </a:minorFont>
+    </a:fontScheme>
+    <a:fmtScheme name="Office">
+      <a:fillStyleLst>
+        <a:solidFill>
+          <a:schemeClr val="phClr"/>
+        </a:solidFill>
+        <a:gradFill rotWithShape="1">
+          <a:gsLst>
+            <a:gs pos="0">
+              <a:schemeClr val="phClr">
+                <a:lumMod val="110000"/>
+                <a:satMod val="105000"/>
+                <a:tint val="67000"/>
+              </a:schemeClr>
+            </a:gs>
+            <a:gs pos="50000">
+              <a:schemeClr val="phClr">
+                <a:lumMod val="105000"/>
+                <a:satMod val="103000"/>
+                <a:tint val="73000"/>
+              </a:schemeClr>
+            </a:gs>
+            <a:gs pos="100000">
+              <a:schemeClr val="phClr">
+                <a:lumMod val="105000"/>
+                <a:satMod val="109000"/>
+                <a:tint val="81000"/>
+              </a:schemeClr>
+            </a:gs>
+          </a:gsLst>
+          <a:lin ang="5400000" scaled="0"/>
+        </a:gradFill>
+        <a:gradFill rotWithShape="1">
+          <a:gsLst>
+            <a:gs pos="0">
+              <a:schemeClr val="phClr">
+                <a:satMod val="103000"/>
+                <a:lumMod val="102000"/>
+                <a:tint val="94000"/>
+              </a:schemeClr>
+            </a:gs>
+            <a:gs pos="50000">
+              <a:schemeClr val="phClr">
+                <a:satMod val="110000"/>
+                <a:lumMod val="100000"/>
+                <a:shade val="100000"/>
+              </a:schemeClr>
+            </a:gs>
+            <a:gs pos="100000">
+              <a:schemeClr val="phClr">
+                <a:lumMod val="99000"/>
+                <a:satMod val="120000"/>
+                <a:shade val="78000"/>
+              </a:schemeClr>
+            </a:gs>
+          </a:gsLst>
+          <a:lin ang="5400000" scaled="0"/>
+        </a:gradFill>
+      </a:fillStyleLst>
+      <a:lnStyleLst>
+        <a:ln w="6350" cap="flat" cmpd="sng" algn="ctr">
+          <a:solidFill>
+            <a:schemeClr val="phClr"/>
+          </a:solidFill>
+          <a:prstDash val="solid"/>
+          <a:miter lim="800000"/>
+        </a:ln>
+        <a:ln w="12700" cap="flat" cmpd="sng" algn="ctr">
+          <a:solidFill>
+            <a:schemeClr val="phClr"/>
+          </a:solidFill>
+          <a:prstDash val="solid"/>
+          <a:miter lim="800000"/>
+        </a:ln>
+        <a:ln w="19050" cap="flat" cmpd="sng" algn="ctr">
+          <a:solidFill>
+            <a:schemeClr val="phClr"/>
+          </a:solidFill>
+          <a:prstDash val="solid"/>
+          <a:miter lim="800000"/>
+        </a:ln>
+      </a:lnStyleLst>
+      <a:effectStyleLst>
+        <a:effectStyle>
+          <a:effectLst/>
+        </a:effectStyle>
+        <a:effectStyle>
+          <a:effectLst/>
+        </a:effectStyle>
+        <a:effectStyle>
+          <a:effectLst>
+            <a:outerShdw blurRad="57150" dist="19050" dir="5400000" algn="ctr" rotWithShape="0">
+              <a:srgbClr val="000000">
+                <a:alpha val="63000"/>
+              </a:srgbClr>
+            </a:outerShdw>
+          </a:effectLst>
+        </a:effectStyle>
+      </a:effectStyleLst>
+      <a:bgFillStyleLst>
+        <a:solidFill>
+          <a:schemeClr val="phClr"/>
+        </a:solidFill>
+        <a:solidFill>
+          <a:schemeClr val="phClr">
+            <a:tint val="95000"/>
+            <a:satMod val="170000"/>
+          </a:schemeClr>
+        </a:solidFill>
+        <a:gradFill rotWithShape="1">
+          <a:gsLst>
+            <a:gs pos="0">
+              <a:schemeClr val="phClr">
+                <a:tint val="93000"/>
+                <a:satMod val="150000"/>
+                <a:shade val="98000"/>
+                <a:lumMod val="102000"/>
+              </a:schemeClr>
+            </a:gs>
+            <a:gs pos="50000">
+              <a:schemeClr val="phClr">
+                <a:tint val="98000"/>
+                <a:satMod val="130000"/>
+                <a:shade val="90000"/>
+                <a:lumMod val="103000"/>
+              </a:schemeClr>
+            </a:gs>
+            <a:gs pos="100000">
+              <a:schemeClr val="phClr">
+                <a:shade val="63000"/>
+                <a:satMod val="120000"/>
+              </a:schemeClr>
+            </a:gs>
+          </a:gsLst>
+          <a:lin ang="5400000" scaled="0"/>
+        </a:gradFill>
+      </a:bgFillStyleLst>
+    </a:fmtScheme>
+  </a:themeElements>
+  <a:objectDefaults/>
+  <a:extraClrSchemeLst/>
+  <a:extLst>
+    <a:ext uri="{05A4C25C-085E-4340-85A3-A5531E510DB2}">
+      <thm15:themeFamily xmlns:thm15="http://schemas.microsoft.com/office/thememl/2012/main" name="Office Theme" id="{62F939B6-93AF-4DB8-9C6B-D6C7DFDC589F}" vid="{4A3C46E8-61CC-4603-A589-7422A47A8E4A}"/>
+    </a:ext>
+  </a:extLst>
+</a:theme>
+</file>
+
+<file path=ppt/theme/theme2.xml><?xml version="1.0" encoding="utf-8"?>
 <a:theme xmlns:a="http://schemas.openxmlformats.org/drawingml/2006/main" name="Tema di Office">
   <a:themeElements>
     <a:clrScheme name="Office">
